--- a/dotnet/NETBookMaterials-main/PPT课件/Part5-15：ASP.NET Core SignalR基本使用.pptx
+++ b/dotnet/NETBookMaterials-main/PPT课件/Part5-15：ASP.NET Core SignalR基本使用.pptx
@@ -1,19 +1,19 @@
 
 <file path=ppt/presentation.xml><?xml version="1.0" encoding="utf-8"?>
-<p:presentation xmlns:a="http://schemas.openxmlformats.org/drawingml/2006/main" xmlns:r="http://schemas.openxmlformats.org/officeDocument/2006/relationships" xmlns:p="http://schemas.openxmlformats.org/presentationml/2006/main" saveSubsetFonts="1">
+<p:presentation xmlns:a="http://schemas.openxmlformats.org/drawingml/2006/main" xmlns:r="http://schemas.openxmlformats.org/officeDocument/2006/relationships" xmlns:p="http://schemas.openxmlformats.org/presentationml/2006/main">
   <p:sldMasterIdLst>
-    <p:sldMasterId id="2147483678" r:id="rId1"/>
+    <p:sldMasterId id="2147483648" r:id="rId1"/>
   </p:sldMasterIdLst>
   <p:notesMasterIdLst>
-    <p:notesMasterId r:id="rId8"/>
+    <p:notesMasterId r:id="rId4"/>
   </p:notesMasterIdLst>
   <p:sldIdLst>
-    <p:sldId id="257" r:id="rId2"/>
-    <p:sldId id="386" r:id="rId3"/>
-    <p:sldId id="387" r:id="rId4"/>
-    <p:sldId id="388" r:id="rId5"/>
-    <p:sldId id="389" r:id="rId6"/>
-    <p:sldId id="275" r:id="rId7"/>
+    <p:sldId id="257" r:id="rId3"/>
+    <p:sldId id="386" r:id="rId5"/>
+    <p:sldId id="387" r:id="rId6"/>
+    <p:sldId id="388" r:id="rId7"/>
+    <p:sldId id="389" r:id="rId8"/>
+    <p:sldId id="275" r:id="rId9"/>
   </p:sldIdLst>
   <p:sldSz cx="12192000" cy="6858000"/>
   <p:notesSz cx="6858000" cy="9144000"/>
@@ -112,11 +112,6 @@
       </a:defRPr>
     </a:lvl9pPr>
   </p:defaultTextStyle>
-  <p:extLst>
-    <p:ext uri="{EFAFB233-063F-42B5-8137-9DF3F51BA10A}">
-      <p15:sldGuideLst xmlns:p15="http://schemas.microsoft.com/office/powerpoint/2012/main"/>
-    </p:ext>
-  </p:extLst>
 </p:presentation>
 </file>
 
@@ -202,7 +197,6 @@
           <a:p>
             <a:fld id="{0A2FCA5F-0AB4-4B27-9880-843A32CD3FC4}" type="datetimeFigureOut">
               <a:rPr lang="zh-CN" altLang="en-US" smtClean="0"/>
-              <a:t>2022/1/6</a:t>
             </a:fld>
             <a:endParaRPr lang="zh-CN" altLang="en-US"/>
           </a:p>
@@ -269,6 +263,7 @@
               <a:rPr lang="zh-CN" altLang="en-US"/>
               <a:t>单击此处编辑母版文本样式</a:t>
             </a:r>
+            <a:endParaRPr lang="zh-CN" altLang="en-US"/>
           </a:p>
           <a:p>
             <a:pPr lvl="1"/>
@@ -276,6 +271,7 @@
               <a:rPr lang="zh-CN" altLang="en-US"/>
               <a:t>二级</a:t>
             </a:r>
+            <a:endParaRPr lang="zh-CN" altLang="en-US"/>
           </a:p>
           <a:p>
             <a:pPr lvl="2"/>
@@ -283,6 +279,7 @@
               <a:rPr lang="zh-CN" altLang="en-US"/>
               <a:t>三级</a:t>
             </a:r>
+            <a:endParaRPr lang="zh-CN" altLang="en-US"/>
           </a:p>
           <a:p>
             <a:pPr lvl="3"/>
@@ -290,6 +287,7 @@
               <a:rPr lang="zh-CN" altLang="en-US"/>
               <a:t>四级</a:t>
             </a:r>
+            <a:endParaRPr lang="zh-CN" altLang="en-US"/>
           </a:p>
           <a:p>
             <a:pPr lvl="4"/>
@@ -297,6 +295,7 @@
               <a:rPr lang="zh-CN" altLang="en-US"/>
               <a:t>五级</a:t>
             </a:r>
+            <a:endParaRPr lang="zh-CN" altLang="en-US"/>
           </a:p>
         </p:txBody>
       </p:sp>
@@ -360,18 +359,12 @@
           <a:p>
             <a:fld id="{F810780C-912A-474E-894F-1447CA981AB4}" type="slidenum">
               <a:rPr lang="zh-CN" altLang="en-US" smtClean="0"/>
-              <a:t>‹#›</a:t>
             </a:fld>
             <a:endParaRPr lang="zh-CN" altLang="en-US"/>
           </a:p>
         </p:txBody>
       </p:sp>
     </p:spTree>
-    <p:extLst>
-      <p:ext uri="{BB962C8B-B14F-4D97-AF65-F5344CB8AC3E}">
-        <p14:creationId xmlns:p14="http://schemas.microsoft.com/office/powerpoint/2010/main" val="1902234569"/>
-      </p:ext>
-    </p:extLst>
   </p:cSld>
   <p:clrMap bg1="lt1" tx1="dk1" bg2="lt2" tx2="dk2" accent1="accent1" accent2="accent2" accent3="accent3" accent4="accent4" accent5="accent5" accent6="accent6" hlink="hlink" folHlink="folHlink"/>
   <p:notesStyle>
@@ -534,18 +527,12 @@
           <a:p>
             <a:fld id="{F810780C-912A-474E-894F-1447CA981AB4}" type="slidenum">
               <a:rPr lang="zh-CN" altLang="en-US" smtClean="0"/>
-              <a:t>1</a:t>
             </a:fld>
             <a:endParaRPr lang="zh-CN" altLang="en-US"/>
           </a:p>
         </p:txBody>
       </p:sp>
     </p:spTree>
-    <p:extLst>
-      <p:ext uri="{BB962C8B-B14F-4D97-AF65-F5344CB8AC3E}">
-        <p14:creationId xmlns:p14="http://schemas.microsoft.com/office/powerpoint/2010/main" val="1260476022"/>
-      </p:ext>
-    </p:extLst>
   </p:cSld>
   <p:clrMapOvr>
     <a:masterClrMapping/>
@@ -686,7 +673,6 @@
           <a:p>
             <a:fld id="{51EE646F-F65C-4115-9CFB-3F24605268F9}" type="datetimeFigureOut">
               <a:rPr lang="zh-CN" altLang="en-US" smtClean="0"/>
-              <a:t>2022/1/6</a:t>
             </a:fld>
             <a:endParaRPr lang="zh-CN" altLang="en-US"/>
           </a:p>
@@ -728,18 +714,12 @@
           <a:p>
             <a:fld id="{E1FC7210-8E3F-47BF-9666-054B0DB30747}" type="slidenum">
               <a:rPr lang="zh-CN" altLang="en-US" smtClean="0"/>
-              <a:t>‹#›</a:t>
             </a:fld>
             <a:endParaRPr lang="zh-CN" altLang="en-US"/>
           </a:p>
         </p:txBody>
       </p:sp>
     </p:spTree>
-    <p:extLst>
-      <p:ext uri="{BB962C8B-B14F-4D97-AF65-F5344CB8AC3E}">
-        <p14:creationId xmlns:p14="http://schemas.microsoft.com/office/powerpoint/2010/main" val="2099043495"/>
-      </p:ext>
-    </p:extLst>
   </p:cSld>
   <p:clrMapOvr>
     <a:masterClrMapping/>
@@ -953,6 +933,7 @@
               <a:rPr lang="zh-CN" altLang="en-US"/>
               <a:t>单击此处编辑母版文本样式</a:t>
             </a:r>
+            <a:endParaRPr lang="zh-CN" altLang="en-US"/>
           </a:p>
         </p:txBody>
       </p:sp>
@@ -973,7 +954,6 @@
           <a:p>
             <a:fld id="{51EE646F-F65C-4115-9CFB-3F24605268F9}" type="datetimeFigureOut">
               <a:rPr lang="zh-CN" altLang="en-US" smtClean="0"/>
-              <a:t>2022/1/6</a:t>
             </a:fld>
             <a:endParaRPr lang="zh-CN" altLang="en-US"/>
           </a:p>
@@ -1015,18 +995,12 @@
           <a:p>
             <a:fld id="{E1FC7210-8E3F-47BF-9666-054B0DB30747}" type="slidenum">
               <a:rPr lang="zh-CN" altLang="en-US" smtClean="0"/>
-              <a:t>‹#›</a:t>
             </a:fld>
             <a:endParaRPr lang="zh-CN" altLang="en-US"/>
           </a:p>
         </p:txBody>
       </p:sp>
     </p:spTree>
-    <p:extLst>
-      <p:ext uri="{BB962C8B-B14F-4D97-AF65-F5344CB8AC3E}">
-        <p14:creationId xmlns:p14="http://schemas.microsoft.com/office/powerpoint/2010/main" val="1388610387"/>
-      </p:ext>
-    </p:extLst>
   </p:cSld>
   <p:clrMapOvr>
     <a:masterClrMapping/>
@@ -1145,6 +1119,7 @@
               <a:rPr lang="zh-CN" altLang="en-US"/>
               <a:t>单击此处编辑母版文本样式</a:t>
             </a:r>
+            <a:endParaRPr lang="zh-CN" altLang="en-US"/>
           </a:p>
         </p:txBody>
       </p:sp>
@@ -1165,7 +1140,6 @@
           <a:p>
             <a:fld id="{51EE646F-F65C-4115-9CFB-3F24605268F9}" type="datetimeFigureOut">
               <a:rPr lang="zh-CN" altLang="en-US" smtClean="0"/>
-              <a:t>2022/1/6</a:t>
             </a:fld>
             <a:endParaRPr lang="zh-CN" altLang="en-US"/>
           </a:p>
@@ -1207,18 +1181,12 @@
           <a:p>
             <a:fld id="{E1FC7210-8E3F-47BF-9666-054B0DB30747}" type="slidenum">
               <a:rPr lang="zh-CN" altLang="en-US" smtClean="0"/>
-              <a:t>‹#›</a:t>
             </a:fld>
             <a:endParaRPr lang="zh-CN" altLang="en-US"/>
           </a:p>
         </p:txBody>
       </p:sp>
     </p:spTree>
-    <p:extLst>
-      <p:ext uri="{BB962C8B-B14F-4D97-AF65-F5344CB8AC3E}">
-        <p14:creationId xmlns:p14="http://schemas.microsoft.com/office/powerpoint/2010/main" val="822813159"/>
-      </p:ext>
-    </p:extLst>
   </p:cSld>
   <p:clrMapOvr>
     <a:masterClrMapping/>
@@ -1339,6 +1307,7 @@
               <a:rPr lang="zh-CN" altLang="en-US"/>
               <a:t>单击此处编辑母版文本样式</a:t>
             </a:r>
+            <a:endParaRPr lang="zh-CN" altLang="en-US"/>
           </a:p>
         </p:txBody>
       </p:sp>
@@ -1406,6 +1375,7 @@
               <a:rPr lang="zh-CN" altLang="en-US"/>
               <a:t>单击此处编辑母版文本样式</a:t>
             </a:r>
+            <a:endParaRPr lang="zh-CN" altLang="en-US"/>
           </a:p>
         </p:txBody>
       </p:sp>
@@ -1426,7 +1396,6 @@
           <a:p>
             <a:fld id="{51EE646F-F65C-4115-9CFB-3F24605268F9}" type="datetimeFigureOut">
               <a:rPr lang="zh-CN" altLang="en-US" smtClean="0"/>
-              <a:t>2022/1/6</a:t>
             </a:fld>
             <a:endParaRPr lang="zh-CN" altLang="en-US"/>
           </a:p>
@@ -1468,7 +1437,6 @@
           <a:p>
             <a:fld id="{E1FC7210-8E3F-47BF-9666-054B0DB30747}" type="slidenum">
               <a:rPr lang="zh-CN" altLang="en-US" smtClean="0"/>
-              <a:t>‹#›</a:t>
             </a:fld>
             <a:endParaRPr lang="zh-CN" altLang="en-US"/>
           </a:p>
@@ -1587,6 +1555,12 @@
               </a:rPr>
               <a:t>“</a:t>
             </a:r>
+            <a:endParaRPr lang="en-US" sz="8000" dirty="0">
+              <a:solidFill>
+                <a:schemeClr val="tx1"/>
+              </a:solidFill>
+              <a:effectLst/>
+            </a:endParaRPr>
           </a:p>
         </p:txBody>
       </p:sp>
@@ -1703,15 +1677,16 @@
               </a:rPr>
               <a:t>”</a:t>
             </a:r>
+            <a:endParaRPr lang="en-US" sz="8000" dirty="0">
+              <a:solidFill>
+                <a:schemeClr val="tx1"/>
+              </a:solidFill>
+              <a:effectLst/>
+            </a:endParaRPr>
           </a:p>
         </p:txBody>
       </p:sp>
     </p:spTree>
-    <p:extLst>
-      <p:ext uri="{BB962C8B-B14F-4D97-AF65-F5344CB8AC3E}">
-        <p14:creationId xmlns:p14="http://schemas.microsoft.com/office/powerpoint/2010/main" val="2572790662"/>
-      </p:ext>
-    </p:extLst>
   </p:cSld>
   <p:clrMapOvr>
     <a:masterClrMapping/>
@@ -1830,6 +1805,7 @@
               <a:rPr lang="zh-CN" altLang="en-US"/>
               <a:t>单击此处编辑母版文本样式</a:t>
             </a:r>
+            <a:endParaRPr lang="zh-CN" altLang="en-US"/>
           </a:p>
         </p:txBody>
       </p:sp>
@@ -1850,7 +1826,6 @@
           <a:p>
             <a:fld id="{51EE646F-F65C-4115-9CFB-3F24605268F9}" type="datetimeFigureOut">
               <a:rPr lang="zh-CN" altLang="en-US" smtClean="0"/>
-              <a:t>2022/1/6</a:t>
             </a:fld>
             <a:endParaRPr lang="zh-CN" altLang="en-US"/>
           </a:p>
@@ -1892,18 +1867,12 @@
           <a:p>
             <a:fld id="{E1FC7210-8E3F-47BF-9666-054B0DB30747}" type="slidenum">
               <a:rPr lang="zh-CN" altLang="en-US" smtClean="0"/>
-              <a:t>‹#›</a:t>
             </a:fld>
             <a:endParaRPr lang="zh-CN" altLang="en-US"/>
           </a:p>
         </p:txBody>
       </p:sp>
     </p:spTree>
-    <p:extLst>
-      <p:ext uri="{BB962C8B-B14F-4D97-AF65-F5344CB8AC3E}">
-        <p14:creationId xmlns:p14="http://schemas.microsoft.com/office/powerpoint/2010/main" val="1415177734"/>
-      </p:ext>
-    </p:extLst>
   </p:cSld>
   <p:clrMapOvr>
     <a:masterClrMapping/>
@@ -2027,6 +1996,7 @@
               <a:rPr lang="zh-CN" altLang="en-US"/>
               <a:t>单击此处编辑母版文本样式</a:t>
             </a:r>
+            <a:endParaRPr lang="zh-CN" altLang="en-US"/>
           </a:p>
         </p:txBody>
       </p:sp>
@@ -2094,6 +2064,7 @@
               <a:rPr lang="zh-CN" altLang="en-US"/>
               <a:t>单击此处编辑母版文本样式</a:t>
             </a:r>
+            <a:endParaRPr lang="zh-CN" altLang="en-US"/>
           </a:p>
         </p:txBody>
       </p:sp>
@@ -2168,6 +2139,7 @@
               <a:rPr lang="zh-CN" altLang="en-US"/>
               <a:t>单击此处编辑母版文本样式</a:t>
             </a:r>
+            <a:endParaRPr lang="zh-CN" altLang="en-US"/>
           </a:p>
         </p:txBody>
       </p:sp>
@@ -2235,6 +2207,7 @@
               <a:rPr lang="zh-CN" altLang="en-US"/>
               <a:t>单击此处编辑母版文本样式</a:t>
             </a:r>
+            <a:endParaRPr lang="zh-CN" altLang="en-US"/>
           </a:p>
         </p:txBody>
       </p:sp>
@@ -2309,6 +2282,7 @@
               <a:rPr lang="zh-CN" altLang="en-US"/>
               <a:t>单击此处编辑母版文本样式</a:t>
             </a:r>
+            <a:endParaRPr lang="zh-CN" altLang="en-US"/>
           </a:p>
         </p:txBody>
       </p:sp>
@@ -2376,6 +2350,7 @@
               <a:rPr lang="zh-CN" altLang="en-US"/>
               <a:t>单击此处编辑母版文本样式</a:t>
             </a:r>
+            <a:endParaRPr lang="zh-CN" altLang="en-US"/>
           </a:p>
         </p:txBody>
       </p:sp>
@@ -2396,7 +2371,6 @@
           <a:p>
             <a:fld id="{51EE646F-F65C-4115-9CFB-3F24605268F9}" type="datetimeFigureOut">
               <a:rPr lang="zh-CN" altLang="en-US" smtClean="0"/>
-              <a:t>2022/1/6</a:t>
             </a:fld>
             <a:endParaRPr lang="zh-CN" altLang="en-US"/>
           </a:p>
@@ -2438,18 +2412,12 @@
           <a:p>
             <a:fld id="{E1FC7210-8E3F-47BF-9666-054B0DB30747}" type="slidenum">
               <a:rPr lang="zh-CN" altLang="en-US" smtClean="0"/>
-              <a:t>‹#›</a:t>
             </a:fld>
             <a:endParaRPr lang="zh-CN" altLang="en-US"/>
           </a:p>
         </p:txBody>
       </p:sp>
     </p:spTree>
-    <p:extLst>
-      <p:ext uri="{BB962C8B-B14F-4D97-AF65-F5344CB8AC3E}">
-        <p14:creationId xmlns:p14="http://schemas.microsoft.com/office/powerpoint/2010/main" val="1864699438"/>
-      </p:ext>
-    </p:extLst>
   </p:cSld>
   <p:clrMapOvr>
     <a:masterClrMapping/>
@@ -2573,6 +2541,7 @@
               <a:rPr lang="zh-CN" altLang="en-US"/>
               <a:t>单击此处编辑母版文本样式</a:t>
             </a:r>
+            <a:endParaRPr lang="zh-CN" altLang="en-US"/>
           </a:p>
         </p:txBody>
       </p:sp>
@@ -2738,6 +2707,7 @@
               <a:rPr lang="zh-CN" altLang="en-US"/>
               <a:t>单击此处编辑母版文本样式</a:t>
             </a:r>
+            <a:endParaRPr lang="zh-CN" altLang="en-US"/>
           </a:p>
         </p:txBody>
       </p:sp>
@@ -2812,6 +2782,7 @@
               <a:rPr lang="zh-CN" altLang="en-US"/>
               <a:t>单击此处编辑母版文本样式</a:t>
             </a:r>
+            <a:endParaRPr lang="zh-CN" altLang="en-US"/>
           </a:p>
         </p:txBody>
       </p:sp>
@@ -2977,6 +2948,7 @@
               <a:rPr lang="zh-CN" altLang="en-US"/>
               <a:t>单击此处编辑母版文本样式</a:t>
             </a:r>
+            <a:endParaRPr lang="zh-CN" altLang="en-US"/>
           </a:p>
         </p:txBody>
       </p:sp>
@@ -3051,6 +3023,7 @@
               <a:rPr lang="zh-CN" altLang="en-US"/>
               <a:t>单击此处编辑母版文本样式</a:t>
             </a:r>
+            <a:endParaRPr lang="zh-CN" altLang="en-US"/>
           </a:p>
         </p:txBody>
       </p:sp>
@@ -3216,6 +3189,7 @@
               <a:rPr lang="zh-CN" altLang="en-US"/>
               <a:t>单击此处编辑母版文本样式</a:t>
             </a:r>
+            <a:endParaRPr lang="zh-CN" altLang="en-US"/>
           </a:p>
         </p:txBody>
       </p:sp>
@@ -3236,7 +3210,6 @@
           <a:p>
             <a:fld id="{51EE646F-F65C-4115-9CFB-3F24605268F9}" type="datetimeFigureOut">
               <a:rPr lang="zh-CN" altLang="en-US" smtClean="0"/>
-              <a:t>2022/1/6</a:t>
             </a:fld>
             <a:endParaRPr lang="zh-CN" altLang="en-US"/>
           </a:p>
@@ -3278,18 +3251,12 @@
           <a:p>
             <a:fld id="{E1FC7210-8E3F-47BF-9666-054B0DB30747}" type="slidenum">
               <a:rPr lang="zh-CN" altLang="en-US" smtClean="0"/>
-              <a:t>‹#›</a:t>
             </a:fld>
             <a:endParaRPr lang="zh-CN" altLang="en-US"/>
           </a:p>
         </p:txBody>
       </p:sp>
     </p:spTree>
-    <p:extLst>
-      <p:ext uri="{BB962C8B-B14F-4D97-AF65-F5344CB8AC3E}">
-        <p14:creationId xmlns:p14="http://schemas.microsoft.com/office/powerpoint/2010/main" val="1842668994"/>
-      </p:ext>
-    </p:extLst>
   </p:cSld>
   <p:clrMapOvr>
     <a:masterClrMapping/>
@@ -3357,6 +3324,7 @@
               <a:rPr lang="zh-CN" altLang="en-US"/>
               <a:t>单击此处编辑母版文本样式</a:t>
             </a:r>
+            <a:endParaRPr lang="zh-CN" altLang="en-US"/>
           </a:p>
           <a:p>
             <a:pPr lvl="1"/>
@@ -3364,6 +3332,7 @@
               <a:rPr lang="zh-CN" altLang="en-US"/>
               <a:t>二级</a:t>
             </a:r>
+            <a:endParaRPr lang="zh-CN" altLang="en-US"/>
           </a:p>
           <a:p>
             <a:pPr lvl="2"/>
@@ -3371,6 +3340,7 @@
               <a:rPr lang="zh-CN" altLang="en-US"/>
               <a:t>三级</a:t>
             </a:r>
+            <a:endParaRPr lang="zh-CN" altLang="en-US"/>
           </a:p>
           <a:p>
             <a:pPr lvl="3"/>
@@ -3378,6 +3348,7 @@
               <a:rPr lang="zh-CN" altLang="en-US"/>
               <a:t>四级</a:t>
             </a:r>
+            <a:endParaRPr lang="zh-CN" altLang="en-US"/>
           </a:p>
           <a:p>
             <a:pPr lvl="4"/>
@@ -3406,7 +3377,6 @@
           <a:p>
             <a:fld id="{51EE646F-F65C-4115-9CFB-3F24605268F9}" type="datetimeFigureOut">
               <a:rPr lang="zh-CN" altLang="en-US" smtClean="0"/>
-              <a:t>2022/1/6</a:t>
             </a:fld>
             <a:endParaRPr lang="zh-CN" altLang="en-US"/>
           </a:p>
@@ -3448,18 +3418,12 @@
           <a:p>
             <a:fld id="{E1FC7210-8E3F-47BF-9666-054B0DB30747}" type="slidenum">
               <a:rPr lang="zh-CN" altLang="en-US" smtClean="0"/>
-              <a:t>‹#›</a:t>
             </a:fld>
             <a:endParaRPr lang="zh-CN" altLang="en-US"/>
           </a:p>
         </p:txBody>
       </p:sp>
     </p:spTree>
-    <p:extLst>
-      <p:ext uri="{BB962C8B-B14F-4D97-AF65-F5344CB8AC3E}">
-        <p14:creationId xmlns:p14="http://schemas.microsoft.com/office/powerpoint/2010/main" val="747360373"/>
-      </p:ext>
-    </p:extLst>
   </p:cSld>
   <p:clrMapOvr>
     <a:masterClrMapping/>
@@ -3541,6 +3505,7 @@
               <a:rPr lang="zh-CN" altLang="en-US"/>
               <a:t>单击此处编辑母版文本样式</a:t>
             </a:r>
+            <a:endParaRPr lang="zh-CN" altLang="en-US"/>
           </a:p>
           <a:p>
             <a:pPr lvl="1"/>
@@ -3548,6 +3513,7 @@
               <a:rPr lang="zh-CN" altLang="en-US"/>
               <a:t>二级</a:t>
             </a:r>
+            <a:endParaRPr lang="zh-CN" altLang="en-US"/>
           </a:p>
           <a:p>
             <a:pPr lvl="2"/>
@@ -3555,6 +3521,7 @@
               <a:rPr lang="zh-CN" altLang="en-US"/>
               <a:t>三级</a:t>
             </a:r>
+            <a:endParaRPr lang="zh-CN" altLang="en-US"/>
           </a:p>
           <a:p>
             <a:pPr lvl="3"/>
@@ -3562,6 +3529,7 @@
               <a:rPr lang="zh-CN" altLang="en-US"/>
               <a:t>四级</a:t>
             </a:r>
+            <a:endParaRPr lang="zh-CN" altLang="en-US"/>
           </a:p>
           <a:p>
             <a:pPr lvl="4"/>
@@ -3590,7 +3558,6 @@
           <a:p>
             <a:fld id="{51EE646F-F65C-4115-9CFB-3F24605268F9}" type="datetimeFigureOut">
               <a:rPr lang="zh-CN" altLang="en-US" smtClean="0"/>
-              <a:t>2022/1/6</a:t>
             </a:fld>
             <a:endParaRPr lang="zh-CN" altLang="en-US"/>
           </a:p>
@@ -3632,18 +3599,12 @@
           <a:p>
             <a:fld id="{E1FC7210-8E3F-47BF-9666-054B0DB30747}" type="slidenum">
               <a:rPr lang="zh-CN" altLang="en-US" smtClean="0"/>
-              <a:t>‹#›</a:t>
             </a:fld>
             <a:endParaRPr lang="zh-CN" altLang="en-US"/>
           </a:p>
         </p:txBody>
       </p:sp>
     </p:spTree>
-    <p:extLst>
-      <p:ext uri="{BB962C8B-B14F-4D97-AF65-F5344CB8AC3E}">
-        <p14:creationId xmlns:p14="http://schemas.microsoft.com/office/powerpoint/2010/main" val="3851745017"/>
-      </p:ext>
-    </p:extLst>
   </p:cSld>
   <p:clrMapOvr>
     <a:masterClrMapping/>
@@ -3711,6 +3672,7 @@
               <a:rPr lang="zh-CN" altLang="en-US"/>
               <a:t>单击此处编辑母版文本样式</a:t>
             </a:r>
+            <a:endParaRPr lang="zh-CN" altLang="en-US"/>
           </a:p>
           <a:p>
             <a:pPr lvl="1"/>
@@ -3718,6 +3680,7 @@
               <a:rPr lang="zh-CN" altLang="en-US"/>
               <a:t>二级</a:t>
             </a:r>
+            <a:endParaRPr lang="zh-CN" altLang="en-US"/>
           </a:p>
           <a:p>
             <a:pPr lvl="2"/>
@@ -3725,6 +3688,7 @@
               <a:rPr lang="zh-CN" altLang="en-US"/>
               <a:t>三级</a:t>
             </a:r>
+            <a:endParaRPr lang="zh-CN" altLang="en-US"/>
           </a:p>
           <a:p>
             <a:pPr lvl="3"/>
@@ -3732,6 +3696,7 @@
               <a:rPr lang="zh-CN" altLang="en-US"/>
               <a:t>四级</a:t>
             </a:r>
+            <a:endParaRPr lang="zh-CN" altLang="en-US"/>
           </a:p>
           <a:p>
             <a:pPr lvl="4"/>
@@ -3760,7 +3725,6 @@
           <a:p>
             <a:fld id="{51EE646F-F65C-4115-9CFB-3F24605268F9}" type="datetimeFigureOut">
               <a:rPr lang="zh-CN" altLang="en-US" smtClean="0"/>
-              <a:t>2022/1/6</a:t>
             </a:fld>
             <a:endParaRPr lang="zh-CN" altLang="en-US"/>
           </a:p>
@@ -3802,18 +3766,12 @@
           <a:p>
             <a:fld id="{E1FC7210-8E3F-47BF-9666-054B0DB30747}" type="slidenum">
               <a:rPr lang="zh-CN" altLang="en-US" smtClean="0"/>
-              <a:t>‹#›</a:t>
             </a:fld>
             <a:endParaRPr lang="zh-CN" altLang="en-US"/>
           </a:p>
         </p:txBody>
       </p:sp>
     </p:spTree>
-    <p:extLst>
-      <p:ext uri="{BB962C8B-B14F-4D97-AF65-F5344CB8AC3E}">
-        <p14:creationId xmlns:p14="http://schemas.microsoft.com/office/powerpoint/2010/main" val="470131755"/>
-      </p:ext>
-    </p:extLst>
   </p:cSld>
   <p:clrMapOvr>
     <a:masterClrMapping/>
@@ -3988,6 +3946,7 @@
               <a:rPr lang="zh-CN" altLang="en-US"/>
               <a:t>单击此处编辑母版文本样式</a:t>
             </a:r>
+            <a:endParaRPr lang="zh-CN" altLang="en-US"/>
           </a:p>
         </p:txBody>
       </p:sp>
@@ -4008,7 +3967,6 @@
           <a:p>
             <a:fld id="{51EE646F-F65C-4115-9CFB-3F24605268F9}" type="datetimeFigureOut">
               <a:rPr lang="zh-CN" altLang="en-US" smtClean="0"/>
-              <a:t>2022/1/6</a:t>
             </a:fld>
             <a:endParaRPr lang="zh-CN" altLang="en-US"/>
           </a:p>
@@ -4050,18 +4008,12 @@
           <a:p>
             <a:fld id="{E1FC7210-8E3F-47BF-9666-054B0DB30747}" type="slidenum">
               <a:rPr lang="zh-CN" altLang="en-US" smtClean="0"/>
-              <a:t>‹#›</a:t>
             </a:fld>
             <a:endParaRPr lang="zh-CN" altLang="en-US"/>
           </a:p>
         </p:txBody>
       </p:sp>
     </p:spTree>
-    <p:extLst>
-      <p:ext uri="{BB962C8B-B14F-4D97-AF65-F5344CB8AC3E}">
-        <p14:creationId xmlns:p14="http://schemas.microsoft.com/office/powerpoint/2010/main" val="78023368"/>
-      </p:ext>
-    </p:extLst>
   </p:cSld>
   <p:clrMapOvr>
     <a:masterClrMapping/>
@@ -4139,6 +4091,7 @@
               <a:rPr lang="zh-CN" altLang="en-US"/>
               <a:t>单击此处编辑母版文本样式</a:t>
             </a:r>
+            <a:endParaRPr lang="zh-CN" altLang="en-US"/>
           </a:p>
           <a:p>
             <a:pPr lvl="1"/>
@@ -4146,6 +4099,7 @@
               <a:rPr lang="zh-CN" altLang="en-US"/>
               <a:t>二级</a:t>
             </a:r>
+            <a:endParaRPr lang="zh-CN" altLang="en-US"/>
           </a:p>
           <a:p>
             <a:pPr lvl="2"/>
@@ -4153,6 +4107,7 @@
               <a:rPr lang="zh-CN" altLang="en-US"/>
               <a:t>三级</a:t>
             </a:r>
+            <a:endParaRPr lang="zh-CN" altLang="en-US"/>
           </a:p>
           <a:p>
             <a:pPr lvl="3"/>
@@ -4160,6 +4115,7 @@
               <a:rPr lang="zh-CN" altLang="en-US"/>
               <a:t>四级</a:t>
             </a:r>
+            <a:endParaRPr lang="zh-CN" altLang="en-US"/>
           </a:p>
           <a:p>
             <a:pPr lvl="4"/>
@@ -4196,6 +4152,7 @@
               <a:rPr lang="zh-CN" altLang="en-US"/>
               <a:t>单击此处编辑母版文本样式</a:t>
             </a:r>
+            <a:endParaRPr lang="zh-CN" altLang="en-US"/>
           </a:p>
           <a:p>
             <a:pPr lvl="1"/>
@@ -4203,6 +4160,7 @@
               <a:rPr lang="zh-CN" altLang="en-US"/>
               <a:t>二级</a:t>
             </a:r>
+            <a:endParaRPr lang="zh-CN" altLang="en-US"/>
           </a:p>
           <a:p>
             <a:pPr lvl="2"/>
@@ -4210,6 +4168,7 @@
               <a:rPr lang="zh-CN" altLang="en-US"/>
               <a:t>三级</a:t>
             </a:r>
+            <a:endParaRPr lang="zh-CN" altLang="en-US"/>
           </a:p>
           <a:p>
             <a:pPr lvl="3"/>
@@ -4217,6 +4176,7 @@
               <a:rPr lang="zh-CN" altLang="en-US"/>
               <a:t>四级</a:t>
             </a:r>
+            <a:endParaRPr lang="zh-CN" altLang="en-US"/>
           </a:p>
           <a:p>
             <a:pPr lvl="4"/>
@@ -4245,7 +4205,6 @@
           <a:p>
             <a:fld id="{51EE646F-F65C-4115-9CFB-3F24605268F9}" type="datetimeFigureOut">
               <a:rPr lang="zh-CN" altLang="en-US" smtClean="0"/>
-              <a:t>2022/1/6</a:t>
             </a:fld>
             <a:endParaRPr lang="zh-CN" altLang="en-US"/>
           </a:p>
@@ -4287,18 +4246,12 @@
           <a:p>
             <a:fld id="{E1FC7210-8E3F-47BF-9666-054B0DB30747}" type="slidenum">
               <a:rPr lang="zh-CN" altLang="en-US" smtClean="0"/>
-              <a:t>‹#›</a:t>
             </a:fld>
             <a:endParaRPr lang="zh-CN" altLang="en-US"/>
           </a:p>
         </p:txBody>
       </p:sp>
     </p:spTree>
-    <p:extLst>
-      <p:ext uri="{BB962C8B-B14F-4D97-AF65-F5344CB8AC3E}">
-        <p14:creationId xmlns:p14="http://schemas.microsoft.com/office/powerpoint/2010/main" val="2293396309"/>
-      </p:ext>
-    </p:extLst>
   </p:cSld>
   <p:clrMapOvr>
     <a:masterClrMapping/>
@@ -4416,6 +4369,7 @@
               <a:rPr lang="zh-CN" altLang="en-US"/>
               <a:t>单击此处编辑母版文本样式</a:t>
             </a:r>
+            <a:endParaRPr lang="zh-CN" altLang="en-US"/>
           </a:p>
         </p:txBody>
       </p:sp>
@@ -4444,6 +4398,7 @@
               <a:rPr lang="zh-CN" altLang="en-US"/>
               <a:t>单击此处编辑母版文本样式</a:t>
             </a:r>
+            <a:endParaRPr lang="zh-CN" altLang="en-US"/>
           </a:p>
           <a:p>
             <a:pPr lvl="1"/>
@@ -4451,6 +4406,7 @@
               <a:rPr lang="zh-CN" altLang="en-US"/>
               <a:t>二级</a:t>
             </a:r>
+            <a:endParaRPr lang="zh-CN" altLang="en-US"/>
           </a:p>
           <a:p>
             <a:pPr lvl="2"/>
@@ -4458,6 +4414,7 @@
               <a:rPr lang="zh-CN" altLang="en-US"/>
               <a:t>三级</a:t>
             </a:r>
+            <a:endParaRPr lang="zh-CN" altLang="en-US"/>
           </a:p>
           <a:p>
             <a:pPr lvl="3"/>
@@ -4465,6 +4422,7 @@
               <a:rPr lang="zh-CN" altLang="en-US"/>
               <a:t>四级</a:t>
             </a:r>
+            <a:endParaRPr lang="zh-CN" altLang="en-US"/>
           </a:p>
           <a:p>
             <a:pPr lvl="4"/>
@@ -4541,6 +4499,7 @@
               <a:rPr lang="zh-CN" altLang="en-US"/>
               <a:t>单击此处编辑母版文本样式</a:t>
             </a:r>
+            <a:endParaRPr lang="zh-CN" altLang="en-US"/>
           </a:p>
         </p:txBody>
       </p:sp>
@@ -4569,6 +4528,7 @@
               <a:rPr lang="zh-CN" altLang="en-US"/>
               <a:t>单击此处编辑母版文本样式</a:t>
             </a:r>
+            <a:endParaRPr lang="zh-CN" altLang="en-US"/>
           </a:p>
           <a:p>
             <a:pPr lvl="1"/>
@@ -4576,6 +4536,7 @@
               <a:rPr lang="zh-CN" altLang="en-US"/>
               <a:t>二级</a:t>
             </a:r>
+            <a:endParaRPr lang="zh-CN" altLang="en-US"/>
           </a:p>
           <a:p>
             <a:pPr lvl="2"/>
@@ -4583,6 +4544,7 @@
               <a:rPr lang="zh-CN" altLang="en-US"/>
               <a:t>三级</a:t>
             </a:r>
+            <a:endParaRPr lang="zh-CN" altLang="en-US"/>
           </a:p>
           <a:p>
             <a:pPr lvl="3"/>
@@ -4590,6 +4552,7 @@
               <a:rPr lang="zh-CN" altLang="en-US"/>
               <a:t>四级</a:t>
             </a:r>
+            <a:endParaRPr lang="zh-CN" altLang="en-US"/>
           </a:p>
           <a:p>
             <a:pPr lvl="4"/>
@@ -4618,7 +4581,6 @@
           <a:p>
             <a:fld id="{51EE646F-F65C-4115-9CFB-3F24605268F9}" type="datetimeFigureOut">
               <a:rPr lang="zh-CN" altLang="en-US" smtClean="0"/>
-              <a:t>2022/1/6</a:t>
             </a:fld>
             <a:endParaRPr lang="zh-CN" altLang="en-US"/>
           </a:p>
@@ -4660,18 +4622,12 @@
           <a:p>
             <a:fld id="{E1FC7210-8E3F-47BF-9666-054B0DB30747}" type="slidenum">
               <a:rPr lang="zh-CN" altLang="en-US" smtClean="0"/>
-              <a:t>‹#›</a:t>
             </a:fld>
             <a:endParaRPr lang="zh-CN" altLang="en-US"/>
           </a:p>
         </p:txBody>
       </p:sp>
     </p:spTree>
-    <p:extLst>
-      <p:ext uri="{BB962C8B-B14F-4D97-AF65-F5344CB8AC3E}">
-        <p14:creationId xmlns:p14="http://schemas.microsoft.com/office/powerpoint/2010/main" val="3897110842"/>
-      </p:ext>
-    </p:extLst>
   </p:cSld>
   <p:clrMapOvr>
     <a:masterClrMapping/>
@@ -4736,7 +4692,6 @@
           <a:p>
             <a:fld id="{51EE646F-F65C-4115-9CFB-3F24605268F9}" type="datetimeFigureOut">
               <a:rPr lang="zh-CN" altLang="en-US" smtClean="0"/>
-              <a:t>2022/1/6</a:t>
             </a:fld>
             <a:endParaRPr lang="zh-CN" altLang="en-US"/>
           </a:p>
@@ -4778,18 +4733,12 @@
           <a:p>
             <a:fld id="{E1FC7210-8E3F-47BF-9666-054B0DB30747}" type="slidenum">
               <a:rPr lang="zh-CN" altLang="en-US" smtClean="0"/>
-              <a:t>‹#›</a:t>
             </a:fld>
             <a:endParaRPr lang="zh-CN" altLang="en-US"/>
           </a:p>
         </p:txBody>
       </p:sp>
     </p:spTree>
-    <p:extLst>
-      <p:ext uri="{BB962C8B-B14F-4D97-AF65-F5344CB8AC3E}">
-        <p14:creationId xmlns:p14="http://schemas.microsoft.com/office/powerpoint/2010/main" val="1191103938"/>
-      </p:ext>
-    </p:extLst>
   </p:cSld>
   <p:clrMapOvr>
     <a:masterClrMapping/>
@@ -4831,7 +4780,6 @@
           <a:p>
             <a:fld id="{51EE646F-F65C-4115-9CFB-3F24605268F9}" type="datetimeFigureOut">
               <a:rPr lang="zh-CN" altLang="en-US" smtClean="0"/>
-              <a:t>2022/1/6</a:t>
             </a:fld>
             <a:endParaRPr lang="zh-CN" altLang="en-US"/>
           </a:p>
@@ -4873,18 +4821,12 @@
           <a:p>
             <a:fld id="{E1FC7210-8E3F-47BF-9666-054B0DB30747}" type="slidenum">
               <a:rPr lang="zh-CN" altLang="en-US" smtClean="0"/>
-              <a:t>‹#›</a:t>
             </a:fld>
             <a:endParaRPr lang="zh-CN" altLang="en-US"/>
           </a:p>
         </p:txBody>
       </p:sp>
     </p:spTree>
-    <p:extLst>
-      <p:ext uri="{BB962C8B-B14F-4D97-AF65-F5344CB8AC3E}">
-        <p14:creationId xmlns:p14="http://schemas.microsoft.com/office/powerpoint/2010/main" val="745720833"/>
-      </p:ext>
-    </p:extLst>
   </p:cSld>
   <p:clrMapOvr>
     <a:masterClrMapping/>
@@ -4968,6 +4910,7 @@
               <a:rPr lang="zh-CN" altLang="en-US"/>
               <a:t>单击此处编辑母版文本样式</a:t>
             </a:r>
+            <a:endParaRPr lang="zh-CN" altLang="en-US"/>
           </a:p>
           <a:p>
             <a:pPr lvl="1"/>
@@ -4975,6 +4918,7 @@
               <a:rPr lang="zh-CN" altLang="en-US"/>
               <a:t>二级</a:t>
             </a:r>
+            <a:endParaRPr lang="zh-CN" altLang="en-US"/>
           </a:p>
           <a:p>
             <a:pPr lvl="2"/>
@@ -4982,6 +4926,7 @@
               <a:rPr lang="zh-CN" altLang="en-US"/>
               <a:t>三级</a:t>
             </a:r>
+            <a:endParaRPr lang="zh-CN" altLang="en-US"/>
           </a:p>
           <a:p>
             <a:pPr lvl="3"/>
@@ -4989,6 +4934,7 @@
               <a:rPr lang="zh-CN" altLang="en-US"/>
               <a:t>四级</a:t>
             </a:r>
+            <a:endParaRPr lang="zh-CN" altLang="en-US"/>
           </a:p>
           <a:p>
             <a:pPr lvl="4"/>
@@ -5062,6 +5008,7 @@
               <a:rPr lang="zh-CN" altLang="en-US"/>
               <a:t>单击此处编辑母版文本样式</a:t>
             </a:r>
+            <a:endParaRPr lang="zh-CN" altLang="en-US"/>
           </a:p>
         </p:txBody>
       </p:sp>
@@ -5082,7 +5029,6 @@
           <a:p>
             <a:fld id="{51EE646F-F65C-4115-9CFB-3F24605268F9}" type="datetimeFigureOut">
               <a:rPr lang="zh-CN" altLang="en-US" smtClean="0"/>
-              <a:t>2022/1/6</a:t>
             </a:fld>
             <a:endParaRPr lang="zh-CN" altLang="en-US"/>
           </a:p>
@@ -5124,18 +5070,12 @@
           <a:p>
             <a:fld id="{E1FC7210-8E3F-47BF-9666-054B0DB30747}" type="slidenum">
               <a:rPr lang="zh-CN" altLang="en-US" smtClean="0"/>
-              <a:t>‹#›</a:t>
             </a:fld>
             <a:endParaRPr lang="zh-CN" altLang="en-US"/>
           </a:p>
         </p:txBody>
       </p:sp>
     </p:spTree>
-    <p:extLst>
-      <p:ext uri="{BB962C8B-B14F-4D97-AF65-F5344CB8AC3E}">
-        <p14:creationId xmlns:p14="http://schemas.microsoft.com/office/powerpoint/2010/main" val="604915569"/>
-      </p:ext>
-    </p:extLst>
   </p:cSld>
   <p:clrMapOvr>
     <a:masterClrMapping/>
@@ -5349,6 +5289,7 @@
               <a:rPr lang="zh-CN" altLang="en-US"/>
               <a:t>单击此处编辑母版文本样式</a:t>
             </a:r>
+            <a:endParaRPr lang="zh-CN" altLang="en-US"/>
           </a:p>
         </p:txBody>
       </p:sp>
@@ -5369,7 +5310,6 @@
           <a:p>
             <a:fld id="{51EE646F-F65C-4115-9CFB-3F24605268F9}" type="datetimeFigureOut">
               <a:rPr lang="zh-CN" altLang="en-US" smtClean="0"/>
-              <a:t>2022/1/6</a:t>
             </a:fld>
             <a:endParaRPr lang="zh-CN" altLang="en-US"/>
           </a:p>
@@ -5411,18 +5351,12 @@
           <a:p>
             <a:fld id="{E1FC7210-8E3F-47BF-9666-054B0DB30747}" type="slidenum">
               <a:rPr lang="zh-CN" altLang="en-US" smtClean="0"/>
-              <a:t>‹#›</a:t>
             </a:fld>
             <a:endParaRPr lang="zh-CN" altLang="en-US"/>
           </a:p>
         </p:txBody>
       </p:sp>
     </p:spTree>
-    <p:extLst>
-      <p:ext uri="{BB962C8B-B14F-4D97-AF65-F5344CB8AC3E}">
-        <p14:creationId xmlns:p14="http://schemas.microsoft.com/office/powerpoint/2010/main" val="824013708"/>
-      </p:ext>
-    </p:extLst>
   </p:cSld>
   <p:clrMapOvr>
     <a:masterClrMapping/>
@@ -5515,6 +5449,7 @@
               <a:rPr lang="zh-CN" altLang="en-US"/>
               <a:t>单击此处编辑母版文本样式</a:t>
             </a:r>
+            <a:endParaRPr lang="zh-CN" altLang="en-US"/>
           </a:p>
           <a:p>
             <a:pPr lvl="1"/>
@@ -5522,6 +5457,7 @@
               <a:rPr lang="zh-CN" altLang="en-US"/>
               <a:t>二级</a:t>
             </a:r>
+            <a:endParaRPr lang="zh-CN" altLang="en-US"/>
           </a:p>
           <a:p>
             <a:pPr lvl="2"/>
@@ -5529,6 +5465,7 @@
               <a:rPr lang="zh-CN" altLang="en-US"/>
               <a:t>三级</a:t>
             </a:r>
+            <a:endParaRPr lang="zh-CN" altLang="en-US"/>
           </a:p>
           <a:p>
             <a:pPr lvl="3"/>
@@ -5536,6 +5473,7 @@
               <a:rPr lang="zh-CN" altLang="en-US"/>
               <a:t>四级</a:t>
             </a:r>
+            <a:endParaRPr lang="zh-CN" altLang="en-US"/>
           </a:p>
           <a:p>
             <a:pPr lvl="4"/>
@@ -5582,7 +5520,6 @@
           <a:p>
             <a:fld id="{51EE646F-F65C-4115-9CFB-3F24605268F9}" type="datetimeFigureOut">
               <a:rPr lang="zh-CN" altLang="en-US" smtClean="0"/>
-              <a:t>2022/1/6</a:t>
             </a:fld>
             <a:endParaRPr lang="zh-CN" altLang="en-US"/>
           </a:p>
@@ -5660,38 +5597,32 @@
           <a:p>
             <a:fld id="{E1FC7210-8E3F-47BF-9666-054B0DB30747}" type="slidenum">
               <a:rPr lang="zh-CN" altLang="en-US" smtClean="0"/>
-              <a:t>‹#›</a:t>
             </a:fld>
             <a:endParaRPr lang="zh-CN" altLang="en-US"/>
           </a:p>
         </p:txBody>
       </p:sp>
     </p:spTree>
-    <p:extLst>
-      <p:ext uri="{BB962C8B-B14F-4D97-AF65-F5344CB8AC3E}">
-        <p14:creationId xmlns:p14="http://schemas.microsoft.com/office/powerpoint/2010/main" val="1747223125"/>
-      </p:ext>
-    </p:extLst>
   </p:cSld>
   <p:clrMap bg1="dk1" tx1="lt1" bg2="dk2" tx2="lt2" accent1="accent1" accent2="accent2" accent3="accent3" accent4="accent4" accent5="accent5" accent6="accent6" hlink="hlink" folHlink="folHlink"/>
   <p:sldLayoutIdLst>
-    <p:sldLayoutId id="2147483679" r:id="rId1"/>
-    <p:sldLayoutId id="2147483680" r:id="rId2"/>
-    <p:sldLayoutId id="2147483681" r:id="rId3"/>
-    <p:sldLayoutId id="2147483682" r:id="rId4"/>
-    <p:sldLayoutId id="2147483683" r:id="rId5"/>
-    <p:sldLayoutId id="2147483684" r:id="rId6"/>
-    <p:sldLayoutId id="2147483685" r:id="rId7"/>
-    <p:sldLayoutId id="2147483686" r:id="rId8"/>
-    <p:sldLayoutId id="2147483687" r:id="rId9"/>
-    <p:sldLayoutId id="2147483688" r:id="rId10"/>
-    <p:sldLayoutId id="2147483689" r:id="rId11"/>
-    <p:sldLayoutId id="2147483690" r:id="rId12"/>
-    <p:sldLayoutId id="2147483691" r:id="rId13"/>
-    <p:sldLayoutId id="2147483692" r:id="rId14"/>
-    <p:sldLayoutId id="2147483693" r:id="rId15"/>
-    <p:sldLayoutId id="2147483694" r:id="rId16"/>
-    <p:sldLayoutId id="2147483695" r:id="rId17"/>
+    <p:sldLayoutId id="2147483649" r:id="rId1"/>
+    <p:sldLayoutId id="2147483650" r:id="rId2"/>
+    <p:sldLayoutId id="2147483651" r:id="rId3"/>
+    <p:sldLayoutId id="2147483652" r:id="rId4"/>
+    <p:sldLayoutId id="2147483653" r:id="rId5"/>
+    <p:sldLayoutId id="2147483654" r:id="rId6"/>
+    <p:sldLayoutId id="2147483655" r:id="rId7"/>
+    <p:sldLayoutId id="2147483656" r:id="rId8"/>
+    <p:sldLayoutId id="2147483657" r:id="rId9"/>
+    <p:sldLayoutId id="2147483658" r:id="rId10"/>
+    <p:sldLayoutId id="2147483659" r:id="rId11"/>
+    <p:sldLayoutId id="2147483660" r:id="rId12"/>
+    <p:sldLayoutId id="2147483661" r:id="rId13"/>
+    <p:sldLayoutId id="2147483662" r:id="rId14"/>
+    <p:sldLayoutId id="2147483663" r:id="rId15"/>
+    <p:sldLayoutId id="2147483664" r:id="rId16"/>
+    <p:sldLayoutId id="2147483665" r:id="rId17"/>
   </p:sldLayoutIdLst>
   <p:txStyles>
     <p:titleStyle>
@@ -6065,13 +5996,7 @@
       </p:grpSpPr>
       <p:sp>
         <p:nvSpPr>
-          <p:cNvPr id="2" name="标题 1">
-            <a:extLst>
-              <a:ext uri="{FF2B5EF4-FFF2-40B4-BE49-F238E27FC236}">
-                <a16:creationId xmlns:a16="http://schemas.microsoft.com/office/drawing/2014/main" id="{9BB724B4-A1D6-449F-8991-1EF6E3C4C046}"/>
-              </a:ext>
-            </a:extLst>
-          </p:cNvPr>
+          <p:cNvPr id="2" name="标题 1"/>
           <p:cNvSpPr>
             <a:spLocks noGrp="1"/>
           </p:cNvSpPr>
@@ -6155,11 +6080,6 @@
         </p:txBody>
       </p:sp>
     </p:spTree>
-    <p:extLst>
-      <p:ext uri="{BB962C8B-B14F-4D97-AF65-F5344CB8AC3E}">
-        <p14:creationId xmlns:p14="http://schemas.microsoft.com/office/powerpoint/2010/main" val="789990796"/>
-      </p:ext>
-    </p:extLst>
   </p:cSld>
   <p:clrMapOvr>
     <a:masterClrMapping/>
@@ -6186,13 +6106,7 @@
       </p:grpSpPr>
       <p:sp>
         <p:nvSpPr>
-          <p:cNvPr id="3" name="内容占位符 2">
-            <a:extLst>
-              <a:ext uri="{FF2B5EF4-FFF2-40B4-BE49-F238E27FC236}">
-                <a16:creationId xmlns:a16="http://schemas.microsoft.com/office/drawing/2014/main" id="{9A404DD8-F4C2-47A1-A8B2-B1DC6A009831}"/>
-              </a:ext>
-            </a:extLst>
-          </p:cNvPr>
+          <p:cNvPr id="3" name="内容占位符 2"/>
           <p:cNvSpPr>
             <a:spLocks noGrp="1"/>
           </p:cNvSpPr>
@@ -6247,16 +6161,8 @@
       </p:sp>
       <p:sp>
         <p:nvSpPr>
-          <p:cNvPr id="4" name="内容占位符 2">
-            <a:extLst>
-              <a:ext uri="{FF2B5EF4-FFF2-40B4-BE49-F238E27FC236}">
-                <a16:creationId xmlns:a16="http://schemas.microsoft.com/office/drawing/2014/main" id="{4E4AA804-05AD-46E4-8094-70AE8D8798C4}"/>
-              </a:ext>
-            </a:extLst>
-          </p:cNvPr>
-          <p:cNvSpPr txBox="1">
-            <a:spLocks/>
-          </p:cNvSpPr>
+          <p:cNvPr id="4" name="内容占位符 2"/>
+          <p:cNvSpPr txBox="1"/>
           <p:nvPr/>
         </p:nvSpPr>
         <p:spPr>
@@ -6657,6 +6563,11 @@
               </a:rPr>
               <a:t>{</a:t>
             </a:r>
+            <a:endParaRPr lang="en-US" altLang="zh-CN" sz="2800" dirty="0">
+              <a:effectLst/>
+              <a:ea typeface="等线" panose="02010600030101010101" pitchFamily="2" charset="-122"/>
+              <a:cs typeface="Times New Roman" panose="02020603050405020304" pitchFamily="18" charset="0"/>
+            </a:endParaRPr>
           </a:p>
           <a:p>
             <a:pPr marL="0" indent="0">
@@ -6693,6 +6604,11 @@
               </a:rPr>
               <a:t>(string message)</a:t>
             </a:r>
+            <a:endParaRPr lang="en-US" altLang="zh-CN" sz="2800" dirty="0">
+              <a:effectLst/>
+              <a:ea typeface="等线" panose="02010600030101010101" pitchFamily="2" charset="-122"/>
+              <a:cs typeface="Times New Roman" panose="02020603050405020304" pitchFamily="18" charset="0"/>
+            </a:endParaRPr>
           </a:p>
           <a:p>
             <a:pPr marL="0" indent="0">
@@ -6713,6 +6629,11 @@
               </a:rPr>
               <a:t>	{</a:t>
             </a:r>
+            <a:endParaRPr lang="en-US" altLang="zh-CN" sz="2800" dirty="0">
+              <a:effectLst/>
+              <a:ea typeface="等线" panose="02010600030101010101" pitchFamily="2" charset="-122"/>
+              <a:cs typeface="Times New Roman" panose="02020603050405020304" pitchFamily="18" charset="0"/>
+            </a:endParaRPr>
           </a:p>
           <a:p>
             <a:pPr marL="0" indent="0">
@@ -6765,6 +6686,11 @@
               </a:rPr>
               <a:t>;</a:t>
             </a:r>
+            <a:endParaRPr lang="en-US" altLang="zh-CN" sz="2800" dirty="0">
+              <a:effectLst/>
+              <a:ea typeface="等线" panose="02010600030101010101" pitchFamily="2" charset="-122"/>
+              <a:cs typeface="Times New Roman" panose="02020603050405020304" pitchFamily="18" charset="0"/>
+            </a:endParaRPr>
           </a:p>
           <a:p>
             <a:pPr marL="0" indent="0">
@@ -6817,6 +6743,11 @@
               </a:rPr>
               <a:t>}:{message}";</a:t>
             </a:r>
+            <a:endParaRPr lang="en-US" altLang="zh-CN" sz="2800" dirty="0">
+              <a:effectLst/>
+              <a:ea typeface="等线" panose="02010600030101010101" pitchFamily="2" charset="-122"/>
+              <a:cs typeface="Times New Roman" panose="02020603050405020304" pitchFamily="18" charset="0"/>
+            </a:endParaRPr>
           </a:p>
           <a:p>
             <a:pPr marL="0" indent="0">
@@ -6869,6 +6800,11 @@
               </a:rPr>
               <a:t>", msg);</a:t>
             </a:r>
+            <a:endParaRPr lang="en-US" altLang="zh-CN" sz="2800" dirty="0">
+              <a:effectLst/>
+              <a:ea typeface="等线" panose="02010600030101010101" pitchFamily="2" charset="-122"/>
+              <a:cs typeface="Times New Roman" panose="02020603050405020304" pitchFamily="18" charset="0"/>
+            </a:endParaRPr>
           </a:p>
           <a:p>
             <a:pPr marL="0" indent="0">
@@ -6889,6 +6825,11 @@
               </a:rPr>
               <a:t>	}</a:t>
             </a:r>
+            <a:endParaRPr lang="en-US" altLang="zh-CN" sz="2800" dirty="0">
+              <a:effectLst/>
+              <a:ea typeface="等线" panose="02010600030101010101" pitchFamily="2" charset="-122"/>
+              <a:cs typeface="Times New Roman" panose="02020603050405020304" pitchFamily="18" charset="0"/>
+            </a:endParaRPr>
           </a:p>
           <a:p>
             <a:pPr marL="0" indent="0">
@@ -6909,6 +6850,11 @@
               </a:rPr>
               <a:t>}</a:t>
             </a:r>
+            <a:endParaRPr lang="en-US" altLang="zh-CN" sz="2800" dirty="0">
+              <a:effectLst/>
+              <a:ea typeface="等线" panose="02010600030101010101" pitchFamily="2" charset="-122"/>
+              <a:cs typeface="Times New Roman" panose="02020603050405020304" pitchFamily="18" charset="0"/>
+            </a:endParaRPr>
           </a:p>
           <a:p>
             <a:pPr marL="0" indent="0">
@@ -6953,6 +6899,11 @@
               </a:rPr>
               <a:t>()</a:t>
             </a:r>
+            <a:endParaRPr lang="en-US" altLang="zh-CN" sz="2800" dirty="0">
+              <a:effectLst/>
+              <a:ea typeface="等线" panose="02010600030101010101" pitchFamily="2" charset="-122"/>
+              <a:cs typeface="Times New Roman" panose="02020603050405020304" pitchFamily="18" charset="0"/>
+            </a:endParaRPr>
           </a:p>
           <a:p>
             <a:pPr marL="0" indent="0">
@@ -7070,11 +7021,6 @@
         </p:txBody>
       </p:sp>
     </p:spTree>
-    <p:extLst>
-      <p:ext uri="{BB962C8B-B14F-4D97-AF65-F5344CB8AC3E}">
-        <p14:creationId xmlns:p14="http://schemas.microsoft.com/office/powerpoint/2010/main" val="1428697676"/>
-      </p:ext>
-    </p:extLst>
   </p:cSld>
   <p:clrMapOvr>
     <a:masterClrMapping/>
@@ -7101,13 +7047,7 @@
       </p:grpSpPr>
       <p:sp>
         <p:nvSpPr>
-          <p:cNvPr id="3" name="内容占位符 2">
-            <a:extLst>
-              <a:ext uri="{FF2B5EF4-FFF2-40B4-BE49-F238E27FC236}">
-                <a16:creationId xmlns:a16="http://schemas.microsoft.com/office/drawing/2014/main" id="{9A404DD8-F4C2-47A1-A8B2-B1DC6A009831}"/>
-              </a:ext>
-            </a:extLst>
-          </p:cNvPr>
+          <p:cNvPr id="3" name="内容占位符 2"/>
           <p:cNvSpPr>
             <a:spLocks noGrp="1"/>
           </p:cNvSpPr>
@@ -7162,16 +7102,8 @@
       </p:sp>
       <p:sp>
         <p:nvSpPr>
-          <p:cNvPr id="4" name="内容占位符 2">
-            <a:extLst>
-              <a:ext uri="{FF2B5EF4-FFF2-40B4-BE49-F238E27FC236}">
-                <a16:creationId xmlns:a16="http://schemas.microsoft.com/office/drawing/2014/main" id="{4E4AA804-05AD-46E4-8094-70AE8D8798C4}"/>
-              </a:ext>
-            </a:extLst>
-          </p:cNvPr>
-          <p:cNvSpPr txBox="1">
-            <a:spLocks/>
-          </p:cNvSpPr>
+          <p:cNvPr id="4" name="内容占位符 2"/>
+          <p:cNvSpPr txBox="1"/>
           <p:nvPr/>
         </p:nvSpPr>
         <p:spPr>
@@ -7441,6 +7373,11 @@
               </a:rPr>
               <a:t>();</a:t>
             </a:r>
+            <a:endParaRPr lang="en-US" altLang="zh-CN" sz="2800" dirty="0">
+              <a:effectLst/>
+              <a:ea typeface="等线" panose="02010600030101010101" pitchFamily="2" charset="-122"/>
+              <a:cs typeface="Times New Roman" panose="02020603050405020304" pitchFamily="18" charset="0"/>
+            </a:endParaRPr>
           </a:p>
           <a:p>
             <a:pPr marL="0" indent="0">
@@ -7477,6 +7414,11 @@
               </a:rPr>
               <a:t> = new[] { "http://localhost:3000" };</a:t>
             </a:r>
+            <a:endParaRPr lang="en-US" altLang="zh-CN" sz="2800" dirty="0">
+              <a:effectLst/>
+              <a:ea typeface="等线" panose="02010600030101010101" pitchFamily="2" charset="-122"/>
+              <a:cs typeface="Times New Roman" panose="02020603050405020304" pitchFamily="18" charset="0"/>
+            </a:endParaRPr>
           </a:p>
           <a:p>
             <a:pPr marL="0" indent="0">
@@ -7505,6 +7447,11 @@
               </a:rPr>
               <a:t>(options =&gt;</a:t>
             </a:r>
+            <a:endParaRPr lang="en-US" altLang="zh-CN" sz="2800" dirty="0">
+              <a:effectLst/>
+              <a:ea typeface="等线" panose="02010600030101010101" pitchFamily="2" charset="-122"/>
+              <a:cs typeface="Times New Roman" panose="02020603050405020304" pitchFamily="18" charset="0"/>
+            </a:endParaRPr>
           </a:p>
           <a:p>
             <a:pPr marL="0" indent="0">
@@ -7573,6 +7520,11 @@
               </a:rPr>
               <a:t>)</a:t>
             </a:r>
+            <a:endParaRPr lang="en-US" altLang="zh-CN" sz="2800" dirty="0">
+              <a:effectLst/>
+              <a:ea typeface="等线" panose="02010600030101010101" pitchFamily="2" charset="-122"/>
+              <a:cs typeface="Times New Roman" panose="02020603050405020304" pitchFamily="18" charset="0"/>
+            </a:endParaRPr>
           </a:p>
           <a:p>
             <a:pPr marL="0" indent="0">
@@ -7641,6 +7593,11 @@
               </a:rPr>
               <a:t>())</a:t>
             </a:r>
+            <a:endParaRPr lang="en-US" altLang="zh-CN" sz="2800" dirty="0">
+              <a:effectLst/>
+              <a:ea typeface="等线" panose="02010600030101010101" pitchFamily="2" charset="-122"/>
+              <a:cs typeface="Times New Roman" panose="02020603050405020304" pitchFamily="18" charset="0"/>
+            </a:endParaRPr>
           </a:p>
           <a:p>
             <a:pPr marL="0" indent="0">
@@ -7661,6 +7618,11 @@
               </a:rPr>
               <a:t>);</a:t>
             </a:r>
+            <a:endParaRPr lang="en-US" altLang="zh-CN" sz="2800" dirty="0">
+              <a:effectLst/>
+              <a:ea typeface="等线" panose="02010600030101010101" pitchFamily="2" charset="-122"/>
+              <a:cs typeface="Times New Roman" panose="02020603050405020304" pitchFamily="18" charset="0"/>
+            </a:endParaRPr>
           </a:p>
           <a:p>
             <a:pPr marL="0" indent="0">
@@ -7697,6 +7659,11 @@
               </a:rPr>
               <a:t>();</a:t>
             </a:r>
+            <a:endParaRPr lang="en-US" altLang="zh-CN" sz="2800" dirty="0">
+              <a:effectLst/>
+              <a:ea typeface="等线" panose="02010600030101010101" pitchFamily="2" charset="-122"/>
+              <a:cs typeface="Times New Roman" panose="02020603050405020304" pitchFamily="18" charset="0"/>
+            </a:endParaRPr>
           </a:p>
           <a:p>
             <a:pPr marL="0" indent="0">
@@ -7741,6 +7708,11 @@
               </a:rPr>
               <a:t>代码</a:t>
             </a:r>
+            <a:endParaRPr lang="zh-CN" altLang="en-US" sz="2800" dirty="0">
+              <a:effectLst/>
+              <a:ea typeface="等线" panose="02010600030101010101" pitchFamily="2" charset="-122"/>
+              <a:cs typeface="Times New Roman" panose="02020603050405020304" pitchFamily="18" charset="0"/>
+            </a:endParaRPr>
           </a:p>
           <a:p>
             <a:pPr marL="0" indent="0">
@@ -7769,6 +7741,11 @@
               </a:rPr>
               <a:t>();</a:t>
             </a:r>
+            <a:endParaRPr lang="en-US" altLang="zh-CN" sz="2800" dirty="0">
+              <a:effectLst/>
+              <a:ea typeface="等线" panose="02010600030101010101" pitchFamily="2" charset="-122"/>
+              <a:cs typeface="Times New Roman" panose="02020603050405020304" pitchFamily="18" charset="0"/>
+            </a:endParaRPr>
           </a:p>
           <a:p>
             <a:pPr marL="0" indent="0">
@@ -7805,6 +7782,11 @@
               </a:rPr>
               <a:t>();</a:t>
             </a:r>
+            <a:endParaRPr lang="en-US" altLang="zh-CN" sz="2800" dirty="0">
+              <a:effectLst/>
+              <a:ea typeface="等线" panose="02010600030101010101" pitchFamily="2" charset="-122"/>
+              <a:cs typeface="Times New Roman" panose="02020603050405020304" pitchFamily="18" charset="0"/>
+            </a:endParaRPr>
           </a:p>
           <a:p>
             <a:pPr marL="0" indent="0">
@@ -7841,6 +7823,11 @@
               </a:rPr>
               <a:t>();</a:t>
             </a:r>
+            <a:endParaRPr lang="en-US" altLang="zh-CN" sz="2800" dirty="0">
+              <a:effectLst/>
+              <a:ea typeface="等线" panose="02010600030101010101" pitchFamily="2" charset="-122"/>
+              <a:cs typeface="Times New Roman" panose="02020603050405020304" pitchFamily="18" charset="0"/>
+            </a:endParaRPr>
           </a:p>
           <a:p>
             <a:pPr marL="0" indent="0">
@@ -7909,6 +7896,11 @@
               </a:rPr>
               <a:t>");</a:t>
             </a:r>
+            <a:endParaRPr lang="en-US" altLang="zh-CN" sz="2800" dirty="0">
+              <a:effectLst/>
+              <a:ea typeface="等线" panose="02010600030101010101" pitchFamily="2" charset="-122"/>
+              <a:cs typeface="Times New Roman" panose="02020603050405020304" pitchFamily="18" charset="0"/>
+            </a:endParaRPr>
           </a:p>
           <a:p>
             <a:pPr marL="0" indent="0">
@@ -7945,15 +7937,15 @@
               </a:rPr>
               <a:t>();</a:t>
             </a:r>
+            <a:endParaRPr lang="en-US" altLang="zh-CN" sz="2800" dirty="0">
+              <a:effectLst/>
+              <a:ea typeface="等线" panose="02010600030101010101" pitchFamily="2" charset="-122"/>
+              <a:cs typeface="Times New Roman" panose="02020603050405020304" pitchFamily="18" charset="0"/>
+            </a:endParaRPr>
           </a:p>
         </p:txBody>
       </p:sp>
     </p:spTree>
-    <p:extLst>
-      <p:ext uri="{BB962C8B-B14F-4D97-AF65-F5344CB8AC3E}">
-        <p14:creationId xmlns:p14="http://schemas.microsoft.com/office/powerpoint/2010/main" val="1536720797"/>
-      </p:ext>
-    </p:extLst>
   </p:cSld>
   <p:clrMapOvr>
     <a:masterClrMapping/>
@@ -7980,13 +7972,7 @@
       </p:grpSpPr>
       <p:sp>
         <p:nvSpPr>
-          <p:cNvPr id="3" name="内容占位符 2">
-            <a:extLst>
-              <a:ext uri="{FF2B5EF4-FFF2-40B4-BE49-F238E27FC236}">
-                <a16:creationId xmlns:a16="http://schemas.microsoft.com/office/drawing/2014/main" id="{9A404DD8-F4C2-47A1-A8B2-B1DC6A009831}"/>
-              </a:ext>
-            </a:extLst>
-          </p:cNvPr>
+          <p:cNvPr id="3" name="内容占位符 2"/>
           <p:cNvSpPr>
             <a:spLocks noGrp="1"/>
           </p:cNvSpPr>
@@ -8041,16 +8027,8 @@
       </p:sp>
       <p:sp>
         <p:nvSpPr>
-          <p:cNvPr id="4" name="内容占位符 2">
-            <a:extLst>
-              <a:ext uri="{FF2B5EF4-FFF2-40B4-BE49-F238E27FC236}">
-                <a16:creationId xmlns:a16="http://schemas.microsoft.com/office/drawing/2014/main" id="{4E4AA804-05AD-46E4-8094-70AE8D8798C4}"/>
-              </a:ext>
-            </a:extLst>
-          </p:cNvPr>
-          <p:cNvSpPr txBox="1">
-            <a:spLocks/>
-          </p:cNvSpPr>
+          <p:cNvPr id="4" name="内容占位符 2"/>
+          <p:cNvSpPr txBox="1"/>
           <p:nvPr/>
         </p:nvSpPr>
         <p:spPr>
@@ -8384,6 +8362,11 @@
               </a:rPr>
               <a:t> install @microsoft/signalr</a:t>
             </a:r>
+            <a:endParaRPr lang="en-US" altLang="zh-CN" sz="3600" dirty="0">
+              <a:effectLst/>
+              <a:ea typeface="等线" panose="02010600030101010101" pitchFamily="2" charset="-122"/>
+              <a:cs typeface="Times New Roman" panose="02020603050405020304" pitchFamily="18" charset="0"/>
+            </a:endParaRPr>
           </a:p>
           <a:p>
             <a:pPr marL="0" indent="0">
@@ -8404,6 +8387,11 @@
               </a:rPr>
               <a:t>&lt;template&gt;</a:t>
             </a:r>
+            <a:endParaRPr lang="en-US" altLang="zh-CN" sz="3600" dirty="0">
+              <a:effectLst/>
+              <a:ea typeface="等线" panose="02010600030101010101" pitchFamily="2" charset="-122"/>
+              <a:cs typeface="Times New Roman" panose="02020603050405020304" pitchFamily="18" charset="0"/>
+            </a:endParaRPr>
           </a:p>
           <a:p>
             <a:pPr marL="0" indent="0">
@@ -8472,6 +8460,11 @@
               </a:rPr>
               <a:t>"/&gt;</a:t>
             </a:r>
+            <a:endParaRPr lang="en-US" altLang="zh-CN" sz="3600" dirty="0">
+              <a:effectLst/>
+              <a:ea typeface="等线" panose="02010600030101010101" pitchFamily="2" charset="-122"/>
+              <a:cs typeface="Times New Roman" panose="02020603050405020304" pitchFamily="18" charset="0"/>
+            </a:endParaRPr>
           </a:p>
           <a:p>
             <a:pPr marL="0" indent="0">
@@ -8492,6 +8485,11 @@
               </a:rPr>
               <a:t>    &lt;div&gt;&lt;ul&gt;</a:t>
             </a:r>
+            <a:endParaRPr lang="en-US" altLang="zh-CN" sz="3600" dirty="0">
+              <a:effectLst/>
+              <a:ea typeface="等线" panose="02010600030101010101" pitchFamily="2" charset="-122"/>
+              <a:cs typeface="Times New Roman" panose="02020603050405020304" pitchFamily="18" charset="0"/>
+            </a:endParaRPr>
           </a:p>
           <a:p>
             <a:pPr marL="0" indent="0">
@@ -8544,6 +8542,11 @@
               </a:rPr>
               <a:t>" :key="index"&gt;{{msg}}&lt;/li&gt;</a:t>
             </a:r>
+            <a:endParaRPr lang="en-US" altLang="zh-CN" sz="3600" dirty="0">
+              <a:effectLst/>
+              <a:ea typeface="等线" panose="02010600030101010101" pitchFamily="2" charset="-122"/>
+              <a:cs typeface="Times New Roman" panose="02020603050405020304" pitchFamily="18" charset="0"/>
+            </a:endParaRPr>
           </a:p>
           <a:p>
             <a:pPr marL="0" indent="0">
@@ -8564,6 +8567,11 @@
               </a:rPr>
               <a:t>    &lt;/ul&gt;&lt;/div&gt;</a:t>
             </a:r>
+            <a:endParaRPr lang="en-US" altLang="zh-CN" sz="3600" dirty="0">
+              <a:effectLst/>
+              <a:ea typeface="等线" panose="02010600030101010101" pitchFamily="2" charset="-122"/>
+              <a:cs typeface="Times New Roman" panose="02020603050405020304" pitchFamily="18" charset="0"/>
+            </a:endParaRPr>
           </a:p>
           <a:p>
             <a:pPr marL="0" indent="0">
@@ -8584,15 +8592,15 @@
               </a:rPr>
               <a:t>&lt;/template&gt;</a:t>
             </a:r>
+            <a:endParaRPr lang="en-US" altLang="zh-CN" sz="3600" dirty="0">
+              <a:effectLst/>
+              <a:ea typeface="等线" panose="02010600030101010101" pitchFamily="2" charset="-122"/>
+              <a:cs typeface="Times New Roman" panose="02020603050405020304" pitchFamily="18" charset="0"/>
+            </a:endParaRPr>
           </a:p>
         </p:txBody>
       </p:sp>
     </p:spTree>
-    <p:extLst>
-      <p:ext uri="{BB962C8B-B14F-4D97-AF65-F5344CB8AC3E}">
-        <p14:creationId xmlns:p14="http://schemas.microsoft.com/office/powerpoint/2010/main" val="475062105"/>
-      </p:ext>
-    </p:extLst>
   </p:cSld>
   <p:clrMapOvr>
     <a:masterClrMapping/>
@@ -8619,13 +8627,7 @@
       </p:grpSpPr>
       <p:sp>
         <p:nvSpPr>
-          <p:cNvPr id="3" name="内容占位符 2">
-            <a:extLst>
-              <a:ext uri="{FF2B5EF4-FFF2-40B4-BE49-F238E27FC236}">
-                <a16:creationId xmlns:a16="http://schemas.microsoft.com/office/drawing/2014/main" id="{9A404DD8-F4C2-47A1-A8B2-B1DC6A009831}"/>
-              </a:ext>
-            </a:extLst>
-          </p:cNvPr>
+          <p:cNvPr id="3" name="内容占位符 2"/>
           <p:cNvSpPr>
             <a:spLocks noGrp="1"/>
           </p:cNvSpPr>
@@ -8680,16 +8682,8 @@
       </p:sp>
       <p:sp>
         <p:nvSpPr>
-          <p:cNvPr id="4" name="内容占位符 2">
-            <a:extLst>
-              <a:ext uri="{FF2B5EF4-FFF2-40B4-BE49-F238E27FC236}">
-                <a16:creationId xmlns:a16="http://schemas.microsoft.com/office/drawing/2014/main" id="{4E4AA804-05AD-46E4-8094-70AE8D8798C4}"/>
-              </a:ext>
-            </a:extLst>
-          </p:cNvPr>
-          <p:cNvSpPr txBox="1">
-            <a:spLocks/>
-          </p:cNvSpPr>
+          <p:cNvPr id="4" name="内容占位符 2"/>
+          <p:cNvSpPr txBox="1"/>
           <p:nvPr/>
         </p:nvSpPr>
         <p:spPr>
@@ -8951,6 +8945,11 @@
               </a:rPr>
               <a:t>&lt;script&gt;</a:t>
             </a:r>
+            <a:endParaRPr lang="en-US" altLang="zh-CN" sz="1800" dirty="0">
+              <a:effectLst/>
+              <a:ea typeface="等线" panose="02010600030101010101" pitchFamily="2" charset="-122"/>
+              <a:cs typeface="Times New Roman" panose="02020603050405020304" pitchFamily="18" charset="0"/>
+            </a:endParaRPr>
           </a:p>
           <a:p>
             <a:pPr marL="0" indent="0">
@@ -9003,6 +9002,11 @@
               </a:rPr>
               <a:t>';</a:t>
             </a:r>
+            <a:endParaRPr lang="en-US" altLang="zh-CN" sz="1800" dirty="0">
+              <a:effectLst/>
+              <a:ea typeface="等线" panose="02010600030101010101" pitchFamily="2" charset="-122"/>
+              <a:cs typeface="Times New Roman" panose="02020603050405020304" pitchFamily="18" charset="0"/>
+            </a:endParaRPr>
           </a:p>
           <a:p>
             <a:pPr marL="0" indent="0">
@@ -9071,6 +9075,11 @@
               </a:rPr>
               <a:t>';</a:t>
             </a:r>
+            <a:endParaRPr lang="en-US" altLang="zh-CN" sz="1800" dirty="0">
+              <a:effectLst/>
+              <a:ea typeface="等线" panose="02010600030101010101" pitchFamily="2" charset="-122"/>
+              <a:cs typeface="Times New Roman" panose="02020603050405020304" pitchFamily="18" charset="0"/>
+            </a:endParaRPr>
           </a:p>
           <a:p>
             <a:pPr marL="0" indent="0">
@@ -9091,6 +9100,11 @@
               </a:rPr>
               <a:t>    let connection;</a:t>
             </a:r>
+            <a:endParaRPr lang="en-US" altLang="zh-CN" sz="1800" dirty="0">
+              <a:effectLst/>
+              <a:ea typeface="等线" panose="02010600030101010101" pitchFamily="2" charset="-122"/>
+              <a:cs typeface="Times New Roman" panose="02020603050405020304" pitchFamily="18" charset="0"/>
+            </a:endParaRPr>
           </a:p>
           <a:p>
             <a:pPr marL="0" indent="0">
@@ -9111,6 +9125,11 @@
               </a:rPr>
               <a:t>    export default {name: 'Login',</a:t>
             </a:r>
+            <a:endParaRPr lang="en-US" altLang="zh-CN" sz="1800" dirty="0">
+              <a:effectLst/>
+              <a:ea typeface="等线" panose="02010600030101010101" pitchFamily="2" charset="-122"/>
+              <a:cs typeface="Times New Roman" panose="02020603050405020304" pitchFamily="18" charset="0"/>
+            </a:endParaRPr>
           </a:p>
           <a:p>
             <a:pPr marL="0" indent="0">
@@ -9147,6 +9166,11 @@
               </a:rPr>
               <a:t>: "", messages: [] });</a:t>
             </a:r>
+            <a:endParaRPr lang="en-US" altLang="zh-CN" sz="1800" dirty="0">
+              <a:effectLst/>
+              <a:ea typeface="等线" panose="02010600030101010101" pitchFamily="2" charset="-122"/>
+              <a:cs typeface="Times New Roman" panose="02020603050405020304" pitchFamily="18" charset="0"/>
+            </a:endParaRPr>
           </a:p>
           <a:p>
             <a:pPr marL="0" indent="0">
@@ -9183,6 +9207,11 @@
               </a:rPr>
               <a:t> = async function (e) {</a:t>
             </a:r>
+            <a:endParaRPr lang="en-US" altLang="zh-CN" sz="1800" dirty="0">
+              <a:effectLst/>
+              <a:ea typeface="等线" panose="02010600030101010101" pitchFamily="2" charset="-122"/>
+              <a:cs typeface="Times New Roman" panose="02020603050405020304" pitchFamily="18" charset="0"/>
+            </a:endParaRPr>
           </a:p>
           <a:p>
             <a:pPr marL="0" indent="0">
@@ -9219,6 +9248,11 @@
               </a:rPr>
               <a:t> != 13) return;</a:t>
             </a:r>
+            <a:endParaRPr lang="en-US" altLang="zh-CN" sz="1800" dirty="0">
+              <a:effectLst/>
+              <a:ea typeface="等线" panose="02010600030101010101" pitchFamily="2" charset="-122"/>
+              <a:cs typeface="Times New Roman" panose="02020603050405020304" pitchFamily="18" charset="0"/>
+            </a:endParaRPr>
           </a:p>
           <a:p>
             <a:pPr marL="0" indent="0">
@@ -9303,6 +9337,11 @@
               </a:rPr>
               <a:t> = "";  };</a:t>
             </a:r>
+            <a:endParaRPr lang="en-US" altLang="zh-CN" sz="1800" dirty="0">
+              <a:effectLst/>
+              <a:ea typeface="等线" panose="02010600030101010101" pitchFamily="2" charset="-122"/>
+              <a:cs typeface="Times New Roman" panose="02020603050405020304" pitchFamily="18" charset="0"/>
+            </a:endParaRPr>
           </a:p>
           <a:p>
             <a:pPr marL="0" indent="0">
@@ -9339,6 +9378,11 @@
               </a:rPr>
               <a:t>(async function () {</a:t>
             </a:r>
+            <a:endParaRPr lang="en-US" altLang="zh-CN" sz="1800" dirty="0">
+              <a:effectLst/>
+              <a:ea typeface="等线" panose="02010600030101010101" pitchFamily="2" charset="-122"/>
+              <a:cs typeface="Times New Roman" panose="02020603050405020304" pitchFamily="18" charset="0"/>
+            </a:endParaRPr>
           </a:p>
           <a:p>
             <a:pPr marL="0" indent="0">
@@ -9375,6 +9419,11 @@
               </a:rPr>
               <a:t>()</a:t>
             </a:r>
+            <a:endParaRPr lang="en-US" altLang="zh-CN" sz="1800" dirty="0">
+              <a:effectLst/>
+              <a:ea typeface="等线" panose="02010600030101010101" pitchFamily="2" charset="-122"/>
+              <a:cs typeface="Times New Roman" panose="02020603050405020304" pitchFamily="18" charset="0"/>
+            </a:endParaRPr>
           </a:p>
           <a:p>
             <a:pPr marL="0" indent="0">
@@ -9427,6 +9476,11 @@
               </a:rPr>
               <a:t>')</a:t>
             </a:r>
+            <a:endParaRPr lang="en-US" altLang="zh-CN" sz="1800" dirty="0">
+              <a:effectLst/>
+              <a:ea typeface="等线" panose="02010600030101010101" pitchFamily="2" charset="-122"/>
+              <a:cs typeface="Times New Roman" panose="02020603050405020304" pitchFamily="18" charset="0"/>
+            </a:endParaRPr>
           </a:p>
           <a:p>
             <a:pPr marL="0" indent="0">
@@ -9463,6 +9517,11 @@
               </a:rPr>
               <a:t>().build();</a:t>
             </a:r>
+            <a:endParaRPr lang="en-US" altLang="zh-CN" sz="1800" dirty="0">
+              <a:effectLst/>
+              <a:ea typeface="等线" panose="02010600030101010101" pitchFamily="2" charset="-122"/>
+              <a:cs typeface="Times New Roman" panose="02020603050405020304" pitchFamily="18" charset="0"/>
+            </a:endParaRPr>
           </a:p>
           <a:p>
             <a:pPr marL="0" indent="0">
@@ -9499,6 +9558,11 @@
               </a:rPr>
               <a:t>();</a:t>
             </a:r>
+            <a:endParaRPr lang="en-US" altLang="zh-CN" sz="1800" dirty="0">
+              <a:effectLst/>
+              <a:ea typeface="等线" panose="02010600030101010101" pitchFamily="2" charset="-122"/>
+              <a:cs typeface="Times New Roman" panose="02020603050405020304" pitchFamily="18" charset="0"/>
+            </a:endParaRPr>
           </a:p>
           <a:p>
             <a:pPr marL="0" indent="0">
@@ -9551,6 +9615,11 @@
               </a:rPr>
               <a:t>', msg =&gt; {</a:t>
             </a:r>
+            <a:endParaRPr lang="en-US" altLang="zh-CN" sz="1800" dirty="0">
+              <a:effectLst/>
+              <a:ea typeface="等线" panose="02010600030101010101" pitchFamily="2" charset="-122"/>
+              <a:cs typeface="Times New Roman" panose="02020603050405020304" pitchFamily="18" charset="0"/>
+            </a:endParaRPr>
           </a:p>
           <a:p>
             <a:pPr marL="0" indent="0">
@@ -9587,6 +9656,11 @@
               </a:rPr>
               <a:t>(msg);</a:t>
             </a:r>
+            <a:endParaRPr lang="en-US" altLang="zh-CN" sz="1800" dirty="0">
+              <a:effectLst/>
+              <a:ea typeface="等线" panose="02010600030101010101" pitchFamily="2" charset="-122"/>
+              <a:cs typeface="Times New Roman" panose="02020603050405020304" pitchFamily="18" charset="0"/>
+            </a:endParaRPr>
           </a:p>
           <a:p>
             <a:pPr marL="0" indent="0">
@@ -9607,6 +9681,11 @@
               </a:rPr>
               <a:t>                });</a:t>
             </a:r>
+            <a:endParaRPr lang="en-US" altLang="zh-CN" sz="1800" dirty="0">
+              <a:effectLst/>
+              <a:ea typeface="等线" panose="02010600030101010101" pitchFamily="2" charset="-122"/>
+              <a:cs typeface="Times New Roman" panose="02020603050405020304" pitchFamily="18" charset="0"/>
+            </a:endParaRPr>
           </a:p>
           <a:p>
             <a:pPr marL="0" indent="0">
@@ -9627,6 +9706,11 @@
               </a:rPr>
               <a:t>            });</a:t>
             </a:r>
+            <a:endParaRPr lang="en-US" altLang="zh-CN" sz="1800" dirty="0">
+              <a:effectLst/>
+              <a:ea typeface="等线" panose="02010600030101010101" pitchFamily="2" charset="-122"/>
+              <a:cs typeface="Times New Roman" panose="02020603050405020304" pitchFamily="18" charset="0"/>
+            </a:endParaRPr>
           </a:p>
           <a:p>
             <a:pPr marL="0" indent="0">
@@ -9663,6 +9747,11 @@
               </a:rPr>
               <a:t> };</a:t>
             </a:r>
+            <a:endParaRPr lang="en-US" altLang="zh-CN" sz="1800" dirty="0">
+              <a:effectLst/>
+              <a:ea typeface="等线" panose="02010600030101010101" pitchFamily="2" charset="-122"/>
+              <a:cs typeface="Times New Roman" panose="02020603050405020304" pitchFamily="18" charset="0"/>
+            </a:endParaRPr>
           </a:p>
           <a:p>
             <a:pPr marL="0" indent="0">
@@ -9683,6 +9772,11 @@
               </a:rPr>
               <a:t>        },</a:t>
             </a:r>
+            <a:endParaRPr lang="en-US" altLang="zh-CN" sz="1800" dirty="0">
+              <a:effectLst/>
+              <a:ea typeface="等线" panose="02010600030101010101" pitchFamily="2" charset="-122"/>
+              <a:cs typeface="Times New Roman" panose="02020603050405020304" pitchFamily="18" charset="0"/>
+            </a:endParaRPr>
           </a:p>
           <a:p>
             <a:pPr marL="0" indent="0">
@@ -9703,6 +9797,11 @@
               </a:rPr>
               <a:t>    }</a:t>
             </a:r>
+            <a:endParaRPr lang="en-US" altLang="zh-CN" sz="1800" dirty="0">
+              <a:effectLst/>
+              <a:ea typeface="等线" panose="02010600030101010101" pitchFamily="2" charset="-122"/>
+              <a:cs typeface="Times New Roman" panose="02020603050405020304" pitchFamily="18" charset="0"/>
+            </a:endParaRPr>
           </a:p>
           <a:p>
             <a:pPr marL="0" indent="0">
@@ -9723,15 +9822,15 @@
               </a:rPr>
               <a:t>&lt;/script&gt;</a:t>
             </a:r>
+            <a:endParaRPr lang="en-US" altLang="zh-CN" sz="1800" dirty="0">
+              <a:effectLst/>
+              <a:ea typeface="等线" panose="02010600030101010101" pitchFamily="2" charset="-122"/>
+              <a:cs typeface="Times New Roman" panose="02020603050405020304" pitchFamily="18" charset="0"/>
+            </a:endParaRPr>
           </a:p>
         </p:txBody>
       </p:sp>
     </p:spTree>
-    <p:extLst>
-      <p:ext uri="{BB962C8B-B14F-4D97-AF65-F5344CB8AC3E}">
-        <p14:creationId xmlns:p14="http://schemas.microsoft.com/office/powerpoint/2010/main" val="3580189389"/>
-      </p:ext>
-    </p:extLst>
   </p:cSld>
   <p:clrMapOvr>
     <a:masterClrMapping/>
@@ -9758,13 +9857,7 @@
       </p:grpSpPr>
       <p:sp>
         <p:nvSpPr>
-          <p:cNvPr id="9" name="文本框 8">
-            <a:extLst>
-              <a:ext uri="{FF2B5EF4-FFF2-40B4-BE49-F238E27FC236}">
-                <a16:creationId xmlns:a16="http://schemas.microsoft.com/office/drawing/2014/main" id="{4F62DAED-48DC-4745-91A5-730E1C621A1D}"/>
-              </a:ext>
-            </a:extLst>
-          </p:cNvPr>
+          <p:cNvPr id="9" name="文本框 8"/>
           <p:cNvSpPr txBox="1"/>
           <p:nvPr/>
         </p:nvSpPr>
@@ -9809,15 +9902,11 @@
               <a:rPr lang="zh-CN" altLang="en-US" sz="8000" dirty="0"/>
               <a:t>一名快乐的程序员</a:t>
             </a:r>
+            <a:endParaRPr lang="zh-CN" altLang="en-US" sz="8000" dirty="0"/>
           </a:p>
         </p:txBody>
       </p:sp>
     </p:spTree>
-    <p:extLst>
-      <p:ext uri="{BB962C8B-B14F-4D97-AF65-F5344CB8AC3E}">
-        <p14:creationId xmlns:p14="http://schemas.microsoft.com/office/powerpoint/2010/main" val="3181045560"/>
-      </p:ext>
-    </p:extLst>
   </p:cSld>
   <p:clrMapOvr>
     <a:masterClrMapping/>
@@ -9868,7 +9957,7 @@
     </a:clrScheme>
     <a:fontScheme name="Damask">
       <a:majorFont>
-        <a:latin typeface="Bookman Old Style" panose="02050604050505020204"/>
+        <a:latin typeface="Bookman Old Style"/>
         <a:ea typeface=""/>
         <a:cs typeface=""/>
         <a:font script="Jpan" typeface="ＭＳ Ｐゴシック"/>
@@ -9903,7 +9992,7 @@
         <a:font script="Geor" typeface="Sylfaen"/>
       </a:majorFont>
       <a:minorFont>
-        <a:latin typeface="Rockwell" panose="02060603020205020403"/>
+        <a:latin typeface="Rockwell"/>
         <a:ea typeface=""/>
         <a:cs typeface=""/>
         <a:font script="Jpan" typeface="ＭＳ Ｐゴシック"/>
@@ -10066,16 +10155,16 @@
               </a:schemeClr>
             </a:duotone>
           </a:blip>
-          <a:stretch/>
+          <a:stretch>
+            <a:fillRect/>
+          </a:stretch>
         </a:blipFill>
       </a:bgFillStyleLst>
     </a:fmtScheme>
   </a:themeElements>
-  <a:objectDefaults/>
-  <a:extraClrSchemeLst/>
   <a:extLst>
     <a:ext uri="{05A4C25C-085E-4340-85A3-A5531E510DB2}">
-      <thm15:themeFamily xmlns:thm15="http://schemas.microsoft.com/office/thememl/2012/main" name="Damask" id="{F9A299A0-33D0-4E0F-9F3F-7163E3744208}" vid="{746EEEEA-FB6A-406B-B510-531588D54811}"/>
+      <thm15:themeFamily xmlns:thm15="http://schemas.microsoft.com/office/thememl/2012/main" name="Office Theme" id="{62F939B6-93AF-4DB8-9C6B-D6C7DFDC589F}" vid="{4A3C46E8-61CC-4603-A589-7422A47A8E4A}"/>
     </a:ext>
   </a:extLst>
 </a:theme>
@@ -10124,7 +10213,7 @@
     </a:clrScheme>
     <a:fontScheme name="Office">
       <a:majorFont>
-        <a:latin typeface="等线 Light" panose="020F0302020204030204"/>
+        <a:latin typeface="等线 Light"/>
         <a:ea typeface=""/>
         <a:cs typeface=""/>
         <a:font script="Jpan" typeface="游ゴシック Light"/>
@@ -10157,26 +10246,9 @@
         <a:font script="Viet" typeface="Times New Roman"/>
         <a:font script="Uigh" typeface="Microsoft Uighur"/>
         <a:font script="Geor" typeface="Sylfaen"/>
-        <a:font script="Armn" typeface="Arial"/>
-        <a:font script="Bugi" typeface="Leelawadee UI"/>
-        <a:font script="Bopo" typeface="Microsoft JhengHei"/>
-        <a:font script="Java" typeface="Javanese Text"/>
-        <a:font script="Lisu" typeface="Segoe UI"/>
-        <a:font script="Mymr" typeface="Myanmar Text"/>
-        <a:font script="Nkoo" typeface="Ebrima"/>
-        <a:font script="Olck" typeface="Nirmala UI"/>
-        <a:font script="Osma" typeface="Ebrima"/>
-        <a:font script="Phag" typeface="Phagspa"/>
-        <a:font script="Syrn" typeface="Estrangelo Edessa"/>
-        <a:font script="Syrj" typeface="Estrangelo Edessa"/>
-        <a:font script="Syre" typeface="Estrangelo Edessa"/>
-        <a:font script="Sora" typeface="Nirmala UI"/>
-        <a:font script="Tale" typeface="Microsoft Tai Le"/>
-        <a:font script="Talu" typeface="Microsoft New Tai Lue"/>
-        <a:font script="Tfng" typeface="Ebrima"/>
       </a:majorFont>
       <a:minorFont>
-        <a:latin typeface="等线" panose="020F0502020204030204"/>
+        <a:latin typeface="等线"/>
         <a:ea typeface=""/>
         <a:cs typeface=""/>
         <a:font script="Jpan" typeface="游ゴシック"/>
@@ -10209,23 +10281,6 @@
         <a:font script="Viet" typeface="Arial"/>
         <a:font script="Uigh" typeface="Microsoft Uighur"/>
         <a:font script="Geor" typeface="Sylfaen"/>
-        <a:font script="Armn" typeface="Arial"/>
-        <a:font script="Bugi" typeface="Leelawadee UI"/>
-        <a:font script="Bopo" typeface="Microsoft JhengHei"/>
-        <a:font script="Java" typeface="Javanese Text"/>
-        <a:font script="Lisu" typeface="Segoe UI"/>
-        <a:font script="Mymr" typeface="Myanmar Text"/>
-        <a:font script="Nkoo" typeface="Ebrima"/>
-        <a:font script="Olck" typeface="Nirmala UI"/>
-        <a:font script="Osma" typeface="Ebrima"/>
-        <a:font script="Phag" typeface="Phagspa"/>
-        <a:font script="Syrn" typeface="Estrangelo Edessa"/>
-        <a:font script="Syrj" typeface="Estrangelo Edessa"/>
-        <a:font script="Syre" typeface="Estrangelo Edessa"/>
-        <a:font script="Sora" typeface="Nirmala UI"/>
-        <a:font script="Tale" typeface="Microsoft Tai Le"/>
-        <a:font script="Talu" typeface="Microsoft New Tai Lue"/>
-        <a:font script="Tfng" typeface="Ebrima"/>
       </a:minorFont>
     </a:fontScheme>
     <a:fmtScheme name="Office">
@@ -10366,8 +10421,6 @@
       </a:bgFillStyleLst>
     </a:fmtScheme>
   </a:themeElements>
-  <a:objectDefaults/>
-  <a:extraClrSchemeLst/>
   <a:extLst>
     <a:ext uri="{05A4C25C-085E-4340-85A3-A5531E510DB2}">
       <thm15:themeFamily xmlns:thm15="http://schemas.microsoft.com/office/thememl/2012/main" name="Office Theme" id="{62F939B6-93AF-4DB8-9C6B-D6C7DFDC589F}" vid="{4A3C46E8-61CC-4603-A589-7422A47A8E4A}"/>
